--- a/Results_FDA_x_ERP.pptx
+++ b/Results_FDA_x_ERP.pptx
@@ -136,13 +136,37 @@
 <file path=ppt/revisionInfo.xml><?xml version="1.0" encoding="utf-8"?>
 <p1510:revInfo xmlns:a="http://schemas.openxmlformats.org/drawingml/2006/main" xmlns:r="http://schemas.openxmlformats.org/officeDocument/2006/relationships" xmlns:p1510="http://schemas.microsoft.com/office/powerpoint/2015/10/main">
   <p1510:revLst>
-    <p1510:client id="{3E5CFE42-03E8-4E9E-8492-C43C45B045FE}" v="32" dt="2023-03-29T11:22:14.991"/>
+    <p1510:client id="{7DDDA932-BEDF-4815-8EC7-CFF0872E6361}" v="3" dt="2023-05-03T11:25:42.333"/>
   </p1510:revLst>
 </p1510:revInfo>
 </file>
 
 <file path=ppt/changesInfos/changesInfo1.xml><?xml version="1.0" encoding="utf-8"?>
 <pc:chgInfo xmlns:a="http://schemas.openxmlformats.org/drawingml/2006/main" xmlns:r="http://schemas.openxmlformats.org/officeDocument/2006/relationships" xmlns:ac="http://schemas.microsoft.com/office/drawing/2013/main/command" xmlns:pc="http://schemas.microsoft.com/office/powerpoint/2013/main/command">
+  <pc:docChgLst>
+    <pc:chgData name="Jacopo Lazzari" userId="52815a9a376fd39c" providerId="LiveId" clId="{7DDDA932-BEDF-4815-8EC7-CFF0872E6361}"/>
+    <pc:docChg chg="modSld">
+      <pc:chgData name="Jacopo Lazzari" userId="52815a9a376fd39c" providerId="LiveId" clId="{7DDDA932-BEDF-4815-8EC7-CFF0872E6361}" dt="2023-05-03T11:25:42.574" v="35" actId="20577"/>
+      <pc:docMkLst>
+        <pc:docMk/>
+      </pc:docMkLst>
+      <pc:sldChg chg="modSp mod">
+        <pc:chgData name="Jacopo Lazzari" userId="52815a9a376fd39c" providerId="LiveId" clId="{7DDDA932-BEDF-4815-8EC7-CFF0872E6361}" dt="2023-05-03T11:25:42.574" v="35" actId="20577"/>
+        <pc:sldMkLst>
+          <pc:docMk/>
+          <pc:sldMk cId="3662783950" sldId="266"/>
+        </pc:sldMkLst>
+        <pc:graphicFrameChg chg="mod modGraphic">
+          <ac:chgData name="Jacopo Lazzari" userId="52815a9a376fd39c" providerId="LiveId" clId="{7DDDA932-BEDF-4815-8EC7-CFF0872E6361}" dt="2023-05-03T11:25:42.574" v="35" actId="20577"/>
+          <ac:graphicFrameMkLst>
+            <pc:docMk/>
+            <pc:sldMk cId="3662783950" sldId="266"/>
+            <ac:graphicFrameMk id="4" creationId="{227B4069-D1E5-9974-EC45-24F5BB2169E3}"/>
+          </ac:graphicFrameMkLst>
+        </pc:graphicFrameChg>
+      </pc:sldChg>
+    </pc:docChg>
+  </pc:docChgLst>
   <pc:docChgLst>
     <pc:chgData name="Jacopo Lazzari" userId="52815a9a376fd39c" providerId="LiveId" clId="{3E5CFE42-03E8-4E9E-8492-C43C45B045FE}"/>
     <pc:docChg chg="undo redo custSel addSld delSld modSld">
@@ -611,7 +635,7 @@
           <a:p>
             <a:fld id="{DF357619-6657-4DE0-96BA-950184B8C033}" type="datetimeFigureOut">
               <a:rPr lang="it-IT" smtClean="0"/>
-              <a:t>29/03/2023</a:t>
+              <a:t>03/05/2023</a:t>
             </a:fld>
             <a:endParaRPr lang="it-IT"/>
           </a:p>
@@ -809,7 +833,7 @@
           <a:p>
             <a:fld id="{DF357619-6657-4DE0-96BA-950184B8C033}" type="datetimeFigureOut">
               <a:rPr lang="it-IT" smtClean="0"/>
-              <a:t>29/03/2023</a:t>
+              <a:t>03/05/2023</a:t>
             </a:fld>
             <a:endParaRPr lang="it-IT"/>
           </a:p>
@@ -1017,7 +1041,7 @@
           <a:p>
             <a:fld id="{DF357619-6657-4DE0-96BA-950184B8C033}" type="datetimeFigureOut">
               <a:rPr lang="it-IT" smtClean="0"/>
-              <a:t>29/03/2023</a:t>
+              <a:t>03/05/2023</a:t>
             </a:fld>
             <a:endParaRPr lang="it-IT"/>
           </a:p>
@@ -1215,7 +1239,7 @@
           <a:p>
             <a:fld id="{DF357619-6657-4DE0-96BA-950184B8C033}" type="datetimeFigureOut">
               <a:rPr lang="it-IT" smtClean="0"/>
-              <a:t>29/03/2023</a:t>
+              <a:t>03/05/2023</a:t>
             </a:fld>
             <a:endParaRPr lang="it-IT"/>
           </a:p>
@@ -1490,7 +1514,7 @@
           <a:p>
             <a:fld id="{DF357619-6657-4DE0-96BA-950184B8C033}" type="datetimeFigureOut">
               <a:rPr lang="it-IT" smtClean="0"/>
-              <a:t>29/03/2023</a:t>
+              <a:t>03/05/2023</a:t>
             </a:fld>
             <a:endParaRPr lang="it-IT"/>
           </a:p>
@@ -1755,7 +1779,7 @@
           <a:p>
             <a:fld id="{DF357619-6657-4DE0-96BA-950184B8C033}" type="datetimeFigureOut">
               <a:rPr lang="it-IT" smtClean="0"/>
-              <a:t>29/03/2023</a:t>
+              <a:t>03/05/2023</a:t>
             </a:fld>
             <a:endParaRPr lang="it-IT"/>
           </a:p>
@@ -2167,7 +2191,7 @@
           <a:p>
             <a:fld id="{DF357619-6657-4DE0-96BA-950184B8C033}" type="datetimeFigureOut">
               <a:rPr lang="it-IT" smtClean="0"/>
-              <a:t>29/03/2023</a:t>
+              <a:t>03/05/2023</a:t>
             </a:fld>
             <a:endParaRPr lang="it-IT"/>
           </a:p>
@@ -2308,7 +2332,7 @@
           <a:p>
             <a:fld id="{DF357619-6657-4DE0-96BA-950184B8C033}" type="datetimeFigureOut">
               <a:rPr lang="it-IT" smtClean="0"/>
-              <a:t>29/03/2023</a:t>
+              <a:t>03/05/2023</a:t>
             </a:fld>
             <a:endParaRPr lang="it-IT"/>
           </a:p>
@@ -2421,7 +2445,7 @@
           <a:p>
             <a:fld id="{DF357619-6657-4DE0-96BA-950184B8C033}" type="datetimeFigureOut">
               <a:rPr lang="it-IT" smtClean="0"/>
-              <a:t>29/03/2023</a:t>
+              <a:t>03/05/2023</a:t>
             </a:fld>
             <a:endParaRPr lang="it-IT"/>
           </a:p>
@@ -2732,7 +2756,7 @@
           <a:p>
             <a:fld id="{DF357619-6657-4DE0-96BA-950184B8C033}" type="datetimeFigureOut">
               <a:rPr lang="it-IT" smtClean="0"/>
-              <a:t>29/03/2023</a:t>
+              <a:t>03/05/2023</a:t>
             </a:fld>
             <a:endParaRPr lang="it-IT"/>
           </a:p>
@@ -3020,7 +3044,7 @@
           <a:p>
             <a:fld id="{DF357619-6657-4DE0-96BA-950184B8C033}" type="datetimeFigureOut">
               <a:rPr lang="it-IT" smtClean="0"/>
-              <a:t>29/03/2023</a:t>
+              <a:t>03/05/2023</a:t>
             </a:fld>
             <a:endParaRPr lang="it-IT"/>
           </a:p>
@@ -3261,7 +3285,7 @@
           <a:p>
             <a:fld id="{DF357619-6657-4DE0-96BA-950184B8C033}" type="datetimeFigureOut">
               <a:rPr lang="it-IT" smtClean="0"/>
-              <a:t>29/03/2023</a:t>
+              <a:t>03/05/2023</a:t>
             </a:fld>
             <a:endParaRPr lang="it-IT"/>
           </a:p>
@@ -3817,14 +3841,14 @@
           <p:nvPr>
             <p:extLst>
               <p:ext uri="{D42A27DB-BD31-4B8C-83A1-F6EECF244321}">
-                <p14:modId xmlns:p14="http://schemas.microsoft.com/office/powerpoint/2010/main" val="3010278564"/>
+                <p14:modId xmlns:p14="http://schemas.microsoft.com/office/powerpoint/2010/main" val="886784725"/>
               </p:ext>
             </p:extLst>
           </p:nvPr>
         </p:nvGraphicFramePr>
         <p:xfrm>
-          <a:off x="651756" y="1690688"/>
-          <a:ext cx="10702044" cy="4009037"/>
+          <a:off x="603115" y="1690688"/>
+          <a:ext cx="8346330" cy="2511659"/>
         </p:xfrm>
         <a:graphic>
           <a:graphicData uri="http://schemas.openxmlformats.org/drawingml/2006/table">
@@ -3833,63 +3857,63 @@
                 <a:tableStyleId>{5C22544A-7EE6-4342-B048-85BDC9FD1C3A}</a:tableStyleId>
               </a:tblPr>
               <a:tblGrid>
-                <a:gridCol w="1189116">
+                <a:gridCol w="927370">
                   <a:extLst>
                     <a:ext uri="{9D8B030D-6E8A-4147-A177-3AD203B41FA5}">
                       <a16:colId xmlns:a16="http://schemas.microsoft.com/office/drawing/2014/main" val="535227513"/>
                     </a:ext>
                   </a:extLst>
                 </a:gridCol>
-                <a:gridCol w="1189116">
+                <a:gridCol w="927370">
                   <a:extLst>
                     <a:ext uri="{9D8B030D-6E8A-4147-A177-3AD203B41FA5}">
                       <a16:colId xmlns:a16="http://schemas.microsoft.com/office/drawing/2014/main" val="1814724938"/>
                     </a:ext>
                   </a:extLst>
                 </a:gridCol>
-                <a:gridCol w="1189116">
+                <a:gridCol w="927370">
                   <a:extLst>
                     <a:ext uri="{9D8B030D-6E8A-4147-A177-3AD203B41FA5}">
                       <a16:colId xmlns:a16="http://schemas.microsoft.com/office/drawing/2014/main" val="3080929330"/>
                     </a:ext>
                   </a:extLst>
                 </a:gridCol>
-                <a:gridCol w="1189116">
+                <a:gridCol w="927370">
                   <a:extLst>
                     <a:ext uri="{9D8B030D-6E8A-4147-A177-3AD203B41FA5}">
                       <a16:colId xmlns:a16="http://schemas.microsoft.com/office/drawing/2014/main" val="387260095"/>
                     </a:ext>
                   </a:extLst>
                 </a:gridCol>
-                <a:gridCol w="1189116">
+                <a:gridCol w="927370">
                   <a:extLst>
                     <a:ext uri="{9D8B030D-6E8A-4147-A177-3AD203B41FA5}">
                       <a16:colId xmlns:a16="http://schemas.microsoft.com/office/drawing/2014/main" val="2191743315"/>
                     </a:ext>
                   </a:extLst>
                 </a:gridCol>
-                <a:gridCol w="1189116">
+                <a:gridCol w="927370">
                   <a:extLst>
                     <a:ext uri="{9D8B030D-6E8A-4147-A177-3AD203B41FA5}">
                       <a16:colId xmlns:a16="http://schemas.microsoft.com/office/drawing/2014/main" val="4006528505"/>
                     </a:ext>
                   </a:extLst>
                 </a:gridCol>
-                <a:gridCol w="1189116">
+                <a:gridCol w="927370">
                   <a:extLst>
                     <a:ext uri="{9D8B030D-6E8A-4147-A177-3AD203B41FA5}">
                       <a16:colId xmlns:a16="http://schemas.microsoft.com/office/drawing/2014/main" val="1673408604"/>
                     </a:ext>
                   </a:extLst>
                 </a:gridCol>
-                <a:gridCol w="1189116">
+                <a:gridCol w="927370">
                   <a:extLst>
                     <a:ext uri="{9D8B030D-6E8A-4147-A177-3AD203B41FA5}">
                       <a16:colId xmlns:a16="http://schemas.microsoft.com/office/drawing/2014/main" val="2866875431"/>
                     </a:ext>
                   </a:extLst>
                 </a:gridCol>
-                <a:gridCol w="1189116">
+                <a:gridCol w="927370">
                   <a:extLst>
                     <a:ext uri="{9D8B030D-6E8A-4147-A177-3AD203B41FA5}">
                       <a16:colId xmlns:a16="http://schemas.microsoft.com/office/drawing/2014/main" val="427365100"/>
@@ -3897,7 +3921,7 @@
                   </a:extLst>
                 </a:gridCol>
               </a:tblGrid>
-              <a:tr h="1208465">
+              <a:tr h="757103">
                 <a:tc>
                   <a:txBody>
                     <a:bodyPr/>
@@ -3928,7 +3952,7 @@
                     <a:p>
                       <a:r>
                         <a:rPr lang="it-IT" dirty="0" err="1"/>
-                        <a:t>Lat</a:t>
+                        <a:t>Latency</a:t>
                       </a:r>
                       <a:r>
                         <a:rPr lang="it-IT" dirty="0"/>
@@ -3958,7 +3982,7 @@
                     <a:p>
                       <a:r>
                         <a:rPr lang="it-IT" dirty="0" err="1"/>
-                        <a:t>Lat</a:t>
+                        <a:t>Latency</a:t>
                       </a:r>
                       <a:r>
                         <a:rPr lang="it-IT" dirty="0"/>
@@ -3988,7 +4012,7 @@
                     <a:p>
                       <a:r>
                         <a:rPr lang="it-IT" dirty="0" err="1"/>
-                        <a:t>Lat</a:t>
+                        <a:t>Latency</a:t>
                       </a:r>
                       <a:r>
                         <a:rPr lang="it-IT" dirty="0"/>
@@ -4018,7 +4042,7 @@
                     <a:p>
                       <a:r>
                         <a:rPr lang="it-IT" dirty="0" err="1"/>
-                        <a:t>Lat</a:t>
+                        <a:t>Latency</a:t>
                       </a:r>
                       <a:r>
                         <a:rPr lang="it-IT" dirty="0"/>
@@ -4034,15 +4058,16 @@
                   </a:ext>
                 </a:extLst>
               </a:tr>
-              <a:tr h="700143">
-                <a:tc>
-                  <a:txBody>
-                    <a:bodyPr/>
-                    <a:lstStyle/>
-                    <a:p>
-                      <a:r>
-                        <a:rPr lang="it-IT" dirty="0"/>
-                        <a:t>1</a:t>
+              <a:tr h="438639">
+                <a:tc>
+                  <a:txBody>
+                    <a:bodyPr/>
+                    <a:lstStyle/>
+                    <a:p>
+                      <a:pPr algn="ctr"/>
+                      <a:r>
+                        <a:rPr lang="it-IT" dirty="0"/>
+                        <a:t>PCF 1</a:t>
                       </a:r>
                     </a:p>
                   </a:txBody>
@@ -4152,15 +4177,16 @@
                   </a:ext>
                 </a:extLst>
               </a:tr>
-              <a:tr h="700143">
-                <a:tc>
-                  <a:txBody>
-                    <a:bodyPr/>
-                    <a:lstStyle/>
-                    <a:p>
-                      <a:r>
-                        <a:rPr lang="it-IT" dirty="0"/>
-                        <a:t>2</a:t>
+              <a:tr h="438639">
+                <a:tc>
+                  <a:txBody>
+                    <a:bodyPr/>
+                    <a:lstStyle/>
+                    <a:p>
+                      <a:pPr algn="ctr"/>
+                      <a:r>
+                        <a:rPr lang="it-IT" dirty="0"/>
+                        <a:t>PCF 2</a:t>
                       </a:r>
                     </a:p>
                   </a:txBody>
@@ -4267,15 +4293,16 @@
                   </a:ext>
                 </a:extLst>
               </a:tr>
-              <a:tr h="700143">
-                <a:tc>
-                  <a:txBody>
-                    <a:bodyPr/>
-                    <a:lstStyle/>
-                    <a:p>
-                      <a:r>
-                        <a:rPr lang="it-IT" dirty="0"/>
-                        <a:t>3</a:t>
+              <a:tr h="438639">
+                <a:tc>
+                  <a:txBody>
+                    <a:bodyPr/>
+                    <a:lstStyle/>
+                    <a:p>
+                      <a:pPr algn="ctr"/>
+                      <a:r>
+                        <a:rPr lang="it-IT" dirty="0"/>
+                        <a:t>PCF 3</a:t>
                       </a:r>
                     </a:p>
                   </a:txBody>
@@ -4382,15 +4409,16 @@
                   </a:ext>
                 </a:extLst>
               </a:tr>
-              <a:tr h="700143">
-                <a:tc>
-                  <a:txBody>
-                    <a:bodyPr/>
-                    <a:lstStyle/>
-                    <a:p>
-                      <a:r>
-                        <a:rPr lang="it-IT" dirty="0"/>
-                        <a:t>4</a:t>
+              <a:tr h="438639">
+                <a:tc>
+                  <a:txBody>
+                    <a:bodyPr/>
+                    <a:lstStyle/>
+                    <a:p>
+                      <a:pPr algn="ctr"/>
+                      <a:r>
+                        <a:rPr lang="it-IT" dirty="0"/>
+                        <a:t>PCF 4</a:t>
                       </a:r>
                     </a:p>
                   </a:txBody>
